--- a/ppt 16-9/0766.主爱最甜蜜.pptx
+++ b/ppt 16-9/0766.主爱最甜蜜.pptx
@@ -129,7 +129,7 @@
           <p:cNvPr id="2" name="标题 1">
             <a:extLst>
               <a:ext uri="{FF2B5EF4-FFF2-40B4-BE49-F238E27FC236}">
-                <a16:creationId xmlns:a16="http://schemas.microsoft.com/office/drawing/2014/main" id="{CDAACE9B-ED60-4236-F659-51F7BF9FD641}"/>
+                <a16:creationId xmlns:a16="http://schemas.microsoft.com/office/drawing/2014/main" id="{C4E6738A-8916-C1F0-4F90-DF68BA5295B2}"/>
               </a:ext>
             </a:extLst>
           </p:cNvPr>
@@ -166,7 +166,7 @@
           <p:cNvPr id="3" name="副标题 2">
             <a:extLst>
               <a:ext uri="{FF2B5EF4-FFF2-40B4-BE49-F238E27FC236}">
-                <a16:creationId xmlns:a16="http://schemas.microsoft.com/office/drawing/2014/main" id="{6DCB1B1A-F52F-3329-F2DA-6F8AABF82BB8}"/>
+                <a16:creationId xmlns:a16="http://schemas.microsoft.com/office/drawing/2014/main" id="{376405F7-5948-55A3-DF9A-74B456F7C65C}"/>
               </a:ext>
             </a:extLst>
           </p:cNvPr>
@@ -236,7 +236,7 @@
           <p:cNvPr id="4" name="日期占位符 3">
             <a:extLst>
               <a:ext uri="{FF2B5EF4-FFF2-40B4-BE49-F238E27FC236}">
-                <a16:creationId xmlns:a16="http://schemas.microsoft.com/office/drawing/2014/main" id="{E27AA659-ADA0-7496-3785-B0C043E5DBDD}"/>
+                <a16:creationId xmlns:a16="http://schemas.microsoft.com/office/drawing/2014/main" id="{C2446A0F-0F6C-DDAA-19DF-FBD6D5A47C48}"/>
               </a:ext>
             </a:extLst>
           </p:cNvPr>
@@ -252,7 +252,7 @@
           <a:bodyPr/>
           <a:lstStyle/>
           <a:p>
-            <a:fld id="{CD56EEDD-0837-46C4-8033-B6C66FFDEEA4}" type="datetimeFigureOut">
+            <a:fld id="{E970245B-E215-4965-9AF4-9CEA6B35D4B2}" type="datetimeFigureOut">
               <a:rPr lang="zh-CN" altLang="en-US" smtClean="0"/>
               <a:t>2024/3/10</a:t>
             </a:fld>
@@ -265,7 +265,7 @@
           <p:cNvPr id="5" name="页脚占位符 4">
             <a:extLst>
               <a:ext uri="{FF2B5EF4-FFF2-40B4-BE49-F238E27FC236}">
-                <a16:creationId xmlns:a16="http://schemas.microsoft.com/office/drawing/2014/main" id="{88301217-A76A-02DE-474C-8776A83C9708}"/>
+                <a16:creationId xmlns:a16="http://schemas.microsoft.com/office/drawing/2014/main" id="{510520CA-9854-715F-B994-1F4D73B42688}"/>
               </a:ext>
             </a:extLst>
           </p:cNvPr>
@@ -290,7 +290,7 @@
           <p:cNvPr id="6" name="灯片编号占位符 5">
             <a:extLst>
               <a:ext uri="{FF2B5EF4-FFF2-40B4-BE49-F238E27FC236}">
-                <a16:creationId xmlns:a16="http://schemas.microsoft.com/office/drawing/2014/main" id="{9A831870-20F3-82BE-72FB-89316A137BDA}"/>
+                <a16:creationId xmlns:a16="http://schemas.microsoft.com/office/drawing/2014/main" id="{DDD69B4F-B4A5-6C07-BAB7-8E10CCEF0877}"/>
               </a:ext>
             </a:extLst>
           </p:cNvPr>
@@ -306,7 +306,7 @@
           <a:bodyPr/>
           <a:lstStyle/>
           <a:p>
-            <a:fld id="{2ABDC84D-4093-481D-9FA2-A8FA5E474BD4}" type="slidenum">
+            <a:fld id="{92A93CA9-03F5-4391-9EB3-148061C3404C}" type="slidenum">
               <a:rPr lang="zh-CN" altLang="en-US" smtClean="0"/>
               <a:t>‹#›</a:t>
             </a:fld>
@@ -317,7 +317,7 @@
     </p:spTree>
     <p:extLst>
       <p:ext uri="{BB962C8B-B14F-4D97-AF65-F5344CB8AC3E}">
-        <p14:creationId xmlns:p14="http://schemas.microsoft.com/office/powerpoint/2010/main" val="2873693832"/>
+        <p14:creationId xmlns:p14="http://schemas.microsoft.com/office/powerpoint/2010/main" val="3750294538"/>
       </p:ext>
     </p:extLst>
   </p:cSld>
@@ -349,7 +349,7 @@
           <p:cNvPr id="2" name="标题 1">
             <a:extLst>
               <a:ext uri="{FF2B5EF4-FFF2-40B4-BE49-F238E27FC236}">
-                <a16:creationId xmlns:a16="http://schemas.microsoft.com/office/drawing/2014/main" id="{9E7FDFF2-7FEC-4727-80B0-7D829B0BE57E}"/>
+                <a16:creationId xmlns:a16="http://schemas.microsoft.com/office/drawing/2014/main" id="{C9B9011A-D973-AB41-293E-C8C537DF26DB}"/>
               </a:ext>
             </a:extLst>
           </p:cNvPr>
@@ -377,7 +377,7 @@
           <p:cNvPr id="3" name="竖排文字占位符 2">
             <a:extLst>
               <a:ext uri="{FF2B5EF4-FFF2-40B4-BE49-F238E27FC236}">
-                <a16:creationId xmlns:a16="http://schemas.microsoft.com/office/drawing/2014/main" id="{0890D0F1-5560-A7A5-FF8D-FB023A43B88A}"/>
+                <a16:creationId xmlns:a16="http://schemas.microsoft.com/office/drawing/2014/main" id="{E8F0DB42-39A4-CDD9-CB13-FE487B2514EF}"/>
               </a:ext>
             </a:extLst>
           </p:cNvPr>
@@ -434,7 +434,7 @@
           <p:cNvPr id="4" name="日期占位符 3">
             <a:extLst>
               <a:ext uri="{FF2B5EF4-FFF2-40B4-BE49-F238E27FC236}">
-                <a16:creationId xmlns:a16="http://schemas.microsoft.com/office/drawing/2014/main" id="{708020D8-EC84-76EA-B852-6D791A6C5EBF}"/>
+                <a16:creationId xmlns:a16="http://schemas.microsoft.com/office/drawing/2014/main" id="{4C3508C3-3F64-1322-6670-625E88FB7C3D}"/>
               </a:ext>
             </a:extLst>
           </p:cNvPr>
@@ -450,7 +450,7 @@
           <a:bodyPr/>
           <a:lstStyle/>
           <a:p>
-            <a:fld id="{CD56EEDD-0837-46C4-8033-B6C66FFDEEA4}" type="datetimeFigureOut">
+            <a:fld id="{E970245B-E215-4965-9AF4-9CEA6B35D4B2}" type="datetimeFigureOut">
               <a:rPr lang="zh-CN" altLang="en-US" smtClean="0"/>
               <a:t>2024/3/10</a:t>
             </a:fld>
@@ -463,7 +463,7 @@
           <p:cNvPr id="5" name="页脚占位符 4">
             <a:extLst>
               <a:ext uri="{FF2B5EF4-FFF2-40B4-BE49-F238E27FC236}">
-                <a16:creationId xmlns:a16="http://schemas.microsoft.com/office/drawing/2014/main" id="{03B92822-21F9-FB52-E613-2AAFC266DA3D}"/>
+                <a16:creationId xmlns:a16="http://schemas.microsoft.com/office/drawing/2014/main" id="{AE34F9A6-AEFB-163F-4597-DA9F133BC4C6}"/>
               </a:ext>
             </a:extLst>
           </p:cNvPr>
@@ -488,7 +488,7 @@
           <p:cNvPr id="6" name="灯片编号占位符 5">
             <a:extLst>
               <a:ext uri="{FF2B5EF4-FFF2-40B4-BE49-F238E27FC236}">
-                <a16:creationId xmlns:a16="http://schemas.microsoft.com/office/drawing/2014/main" id="{24351305-8849-BB3F-E981-79A85DA269AC}"/>
+                <a16:creationId xmlns:a16="http://schemas.microsoft.com/office/drawing/2014/main" id="{61F4031F-9C78-BD42-12C9-816241329C91}"/>
               </a:ext>
             </a:extLst>
           </p:cNvPr>
@@ -504,7 +504,7 @@
           <a:bodyPr/>
           <a:lstStyle/>
           <a:p>
-            <a:fld id="{2ABDC84D-4093-481D-9FA2-A8FA5E474BD4}" type="slidenum">
+            <a:fld id="{92A93CA9-03F5-4391-9EB3-148061C3404C}" type="slidenum">
               <a:rPr lang="zh-CN" altLang="en-US" smtClean="0"/>
               <a:t>‹#›</a:t>
             </a:fld>
@@ -515,7 +515,7 @@
     </p:spTree>
     <p:extLst>
       <p:ext uri="{BB962C8B-B14F-4D97-AF65-F5344CB8AC3E}">
-        <p14:creationId xmlns:p14="http://schemas.microsoft.com/office/powerpoint/2010/main" val="458811933"/>
+        <p14:creationId xmlns:p14="http://schemas.microsoft.com/office/powerpoint/2010/main" val="317180452"/>
       </p:ext>
     </p:extLst>
   </p:cSld>
@@ -547,7 +547,7 @@
           <p:cNvPr id="2" name="竖排标题 1">
             <a:extLst>
               <a:ext uri="{FF2B5EF4-FFF2-40B4-BE49-F238E27FC236}">
-                <a16:creationId xmlns:a16="http://schemas.microsoft.com/office/drawing/2014/main" id="{2ECA24D5-AC9B-E6FC-5621-44D13351707C}"/>
+                <a16:creationId xmlns:a16="http://schemas.microsoft.com/office/drawing/2014/main" id="{442E35DA-EA76-9D9E-DB55-CADC5D28939E}"/>
               </a:ext>
             </a:extLst>
           </p:cNvPr>
@@ -580,7 +580,7 @@
           <p:cNvPr id="3" name="竖排文字占位符 2">
             <a:extLst>
               <a:ext uri="{FF2B5EF4-FFF2-40B4-BE49-F238E27FC236}">
-                <a16:creationId xmlns:a16="http://schemas.microsoft.com/office/drawing/2014/main" id="{58CC8AFB-7007-5AA3-0FD7-5269855D96D5}"/>
+                <a16:creationId xmlns:a16="http://schemas.microsoft.com/office/drawing/2014/main" id="{DF61182C-ADC2-8AFC-64FF-57A42BF8B5E2}"/>
               </a:ext>
             </a:extLst>
           </p:cNvPr>
@@ -642,7 +642,7 @@
           <p:cNvPr id="4" name="日期占位符 3">
             <a:extLst>
               <a:ext uri="{FF2B5EF4-FFF2-40B4-BE49-F238E27FC236}">
-                <a16:creationId xmlns:a16="http://schemas.microsoft.com/office/drawing/2014/main" id="{947D6EBA-0617-E07A-D167-C42F8643DE97}"/>
+                <a16:creationId xmlns:a16="http://schemas.microsoft.com/office/drawing/2014/main" id="{973D08CA-C461-EDD4-BEE0-9441A9B75621}"/>
               </a:ext>
             </a:extLst>
           </p:cNvPr>
@@ -658,7 +658,7 @@
           <a:bodyPr/>
           <a:lstStyle/>
           <a:p>
-            <a:fld id="{CD56EEDD-0837-46C4-8033-B6C66FFDEEA4}" type="datetimeFigureOut">
+            <a:fld id="{E970245B-E215-4965-9AF4-9CEA6B35D4B2}" type="datetimeFigureOut">
               <a:rPr lang="zh-CN" altLang="en-US" smtClean="0"/>
               <a:t>2024/3/10</a:t>
             </a:fld>
@@ -671,7 +671,7 @@
           <p:cNvPr id="5" name="页脚占位符 4">
             <a:extLst>
               <a:ext uri="{FF2B5EF4-FFF2-40B4-BE49-F238E27FC236}">
-                <a16:creationId xmlns:a16="http://schemas.microsoft.com/office/drawing/2014/main" id="{7D7A2AD7-00F8-03A2-7DCA-F8F14B460B44}"/>
+                <a16:creationId xmlns:a16="http://schemas.microsoft.com/office/drawing/2014/main" id="{2D321B4A-44E3-A6FD-B56C-F92FF8B0A0CD}"/>
               </a:ext>
             </a:extLst>
           </p:cNvPr>
@@ -696,7 +696,7 @@
           <p:cNvPr id="6" name="灯片编号占位符 5">
             <a:extLst>
               <a:ext uri="{FF2B5EF4-FFF2-40B4-BE49-F238E27FC236}">
-                <a16:creationId xmlns:a16="http://schemas.microsoft.com/office/drawing/2014/main" id="{357052CB-E57C-5CD5-4128-1DE00EA470CF}"/>
+                <a16:creationId xmlns:a16="http://schemas.microsoft.com/office/drawing/2014/main" id="{B287745A-452C-F7B2-583A-9207B1CA04A9}"/>
               </a:ext>
             </a:extLst>
           </p:cNvPr>
@@ -712,7 +712,7 @@
           <a:bodyPr/>
           <a:lstStyle/>
           <a:p>
-            <a:fld id="{2ABDC84D-4093-481D-9FA2-A8FA5E474BD4}" type="slidenum">
+            <a:fld id="{92A93CA9-03F5-4391-9EB3-148061C3404C}" type="slidenum">
               <a:rPr lang="zh-CN" altLang="en-US" smtClean="0"/>
               <a:t>‹#›</a:t>
             </a:fld>
@@ -723,7 +723,7 @@
     </p:spTree>
     <p:extLst>
       <p:ext uri="{BB962C8B-B14F-4D97-AF65-F5344CB8AC3E}">
-        <p14:creationId xmlns:p14="http://schemas.microsoft.com/office/powerpoint/2010/main" val="3736135722"/>
+        <p14:creationId xmlns:p14="http://schemas.microsoft.com/office/powerpoint/2010/main" val="914907843"/>
       </p:ext>
     </p:extLst>
   </p:cSld>
@@ -755,7 +755,7 @@
           <p:cNvPr id="2" name="标题 1">
             <a:extLst>
               <a:ext uri="{FF2B5EF4-FFF2-40B4-BE49-F238E27FC236}">
-                <a16:creationId xmlns:a16="http://schemas.microsoft.com/office/drawing/2014/main" id="{D87C113D-A7CB-015B-C568-2CC7C8768009}"/>
+                <a16:creationId xmlns:a16="http://schemas.microsoft.com/office/drawing/2014/main" id="{BDA5E783-CF98-3D4A-C0B8-97E6BCF3637D}"/>
               </a:ext>
             </a:extLst>
           </p:cNvPr>
@@ -783,7 +783,7 @@
           <p:cNvPr id="3" name="内容占位符 2">
             <a:extLst>
               <a:ext uri="{FF2B5EF4-FFF2-40B4-BE49-F238E27FC236}">
-                <a16:creationId xmlns:a16="http://schemas.microsoft.com/office/drawing/2014/main" id="{7F3F05C0-C8D8-481F-A1F5-26142E4F6AA8}"/>
+                <a16:creationId xmlns:a16="http://schemas.microsoft.com/office/drawing/2014/main" id="{0352432B-5BAE-1E41-1F37-EFD038D5F32D}"/>
               </a:ext>
             </a:extLst>
           </p:cNvPr>
@@ -840,7 +840,7 @@
           <p:cNvPr id="4" name="日期占位符 3">
             <a:extLst>
               <a:ext uri="{FF2B5EF4-FFF2-40B4-BE49-F238E27FC236}">
-                <a16:creationId xmlns:a16="http://schemas.microsoft.com/office/drawing/2014/main" id="{5AB1EFAE-69E1-5DB6-1726-5AC46434EB5E}"/>
+                <a16:creationId xmlns:a16="http://schemas.microsoft.com/office/drawing/2014/main" id="{E376D696-3DC0-1356-2D66-36FDF0B3C704}"/>
               </a:ext>
             </a:extLst>
           </p:cNvPr>
@@ -856,7 +856,7 @@
           <a:bodyPr/>
           <a:lstStyle/>
           <a:p>
-            <a:fld id="{CD56EEDD-0837-46C4-8033-B6C66FFDEEA4}" type="datetimeFigureOut">
+            <a:fld id="{E970245B-E215-4965-9AF4-9CEA6B35D4B2}" type="datetimeFigureOut">
               <a:rPr lang="zh-CN" altLang="en-US" smtClean="0"/>
               <a:t>2024/3/10</a:t>
             </a:fld>
@@ -869,7 +869,7 @@
           <p:cNvPr id="5" name="页脚占位符 4">
             <a:extLst>
               <a:ext uri="{FF2B5EF4-FFF2-40B4-BE49-F238E27FC236}">
-                <a16:creationId xmlns:a16="http://schemas.microsoft.com/office/drawing/2014/main" id="{9BCDE198-BC30-68E6-49F7-23295B3767AE}"/>
+                <a16:creationId xmlns:a16="http://schemas.microsoft.com/office/drawing/2014/main" id="{16B52AF1-D55F-CAF0-D3A0-152E4DA8EEED}"/>
               </a:ext>
             </a:extLst>
           </p:cNvPr>
@@ -894,7 +894,7 @@
           <p:cNvPr id="6" name="灯片编号占位符 5">
             <a:extLst>
               <a:ext uri="{FF2B5EF4-FFF2-40B4-BE49-F238E27FC236}">
-                <a16:creationId xmlns:a16="http://schemas.microsoft.com/office/drawing/2014/main" id="{C093F8E6-893B-0BEA-5D79-0E2B7F72DC9F}"/>
+                <a16:creationId xmlns:a16="http://schemas.microsoft.com/office/drawing/2014/main" id="{17C75286-D5A5-FB0E-DB6B-5C60DC840DF6}"/>
               </a:ext>
             </a:extLst>
           </p:cNvPr>
@@ -910,7 +910,7 @@
           <a:bodyPr/>
           <a:lstStyle/>
           <a:p>
-            <a:fld id="{2ABDC84D-4093-481D-9FA2-A8FA5E474BD4}" type="slidenum">
+            <a:fld id="{92A93CA9-03F5-4391-9EB3-148061C3404C}" type="slidenum">
               <a:rPr lang="zh-CN" altLang="en-US" smtClean="0"/>
               <a:t>‹#›</a:t>
             </a:fld>
@@ -921,7 +921,7 @@
     </p:spTree>
     <p:extLst>
       <p:ext uri="{BB962C8B-B14F-4D97-AF65-F5344CB8AC3E}">
-        <p14:creationId xmlns:p14="http://schemas.microsoft.com/office/powerpoint/2010/main" val="2173583905"/>
+        <p14:creationId xmlns:p14="http://schemas.microsoft.com/office/powerpoint/2010/main" val="883373711"/>
       </p:ext>
     </p:extLst>
   </p:cSld>
@@ -953,7 +953,7 @@
           <p:cNvPr id="2" name="标题 1">
             <a:extLst>
               <a:ext uri="{FF2B5EF4-FFF2-40B4-BE49-F238E27FC236}">
-                <a16:creationId xmlns:a16="http://schemas.microsoft.com/office/drawing/2014/main" id="{4373C481-02C4-7172-A35A-693428FCD8C2}"/>
+                <a16:creationId xmlns:a16="http://schemas.microsoft.com/office/drawing/2014/main" id="{F723EC14-6D05-AAD3-96E6-32400846E8F7}"/>
               </a:ext>
             </a:extLst>
           </p:cNvPr>
@@ -990,7 +990,7 @@
           <p:cNvPr id="3" name="文本占位符 2">
             <a:extLst>
               <a:ext uri="{FF2B5EF4-FFF2-40B4-BE49-F238E27FC236}">
-                <a16:creationId xmlns:a16="http://schemas.microsoft.com/office/drawing/2014/main" id="{FAA969EB-0C9B-7AFC-0702-DE89FDC41C5D}"/>
+                <a16:creationId xmlns:a16="http://schemas.microsoft.com/office/drawing/2014/main" id="{CD2347FA-6403-0516-6FBB-8209CE33786C}"/>
               </a:ext>
             </a:extLst>
           </p:cNvPr>
@@ -1115,7 +1115,7 @@
           <p:cNvPr id="4" name="日期占位符 3">
             <a:extLst>
               <a:ext uri="{FF2B5EF4-FFF2-40B4-BE49-F238E27FC236}">
-                <a16:creationId xmlns:a16="http://schemas.microsoft.com/office/drawing/2014/main" id="{EA593BDB-88F6-6E77-0846-3759505E94C5}"/>
+                <a16:creationId xmlns:a16="http://schemas.microsoft.com/office/drawing/2014/main" id="{F3DE8349-C3E3-E63E-E50A-0BB29FE0C1FC}"/>
               </a:ext>
             </a:extLst>
           </p:cNvPr>
@@ -1131,7 +1131,7 @@
           <a:bodyPr/>
           <a:lstStyle/>
           <a:p>
-            <a:fld id="{CD56EEDD-0837-46C4-8033-B6C66FFDEEA4}" type="datetimeFigureOut">
+            <a:fld id="{E970245B-E215-4965-9AF4-9CEA6B35D4B2}" type="datetimeFigureOut">
               <a:rPr lang="zh-CN" altLang="en-US" smtClean="0"/>
               <a:t>2024/3/10</a:t>
             </a:fld>
@@ -1144,7 +1144,7 @@
           <p:cNvPr id="5" name="页脚占位符 4">
             <a:extLst>
               <a:ext uri="{FF2B5EF4-FFF2-40B4-BE49-F238E27FC236}">
-                <a16:creationId xmlns:a16="http://schemas.microsoft.com/office/drawing/2014/main" id="{A8DF86C6-5805-9752-3DF3-1C728CD5BC24}"/>
+                <a16:creationId xmlns:a16="http://schemas.microsoft.com/office/drawing/2014/main" id="{D90E21EA-7AC3-2E1A-4162-271D1CE48C98}"/>
               </a:ext>
             </a:extLst>
           </p:cNvPr>
@@ -1169,7 +1169,7 @@
           <p:cNvPr id="6" name="灯片编号占位符 5">
             <a:extLst>
               <a:ext uri="{FF2B5EF4-FFF2-40B4-BE49-F238E27FC236}">
-                <a16:creationId xmlns:a16="http://schemas.microsoft.com/office/drawing/2014/main" id="{275C954C-EFFC-BC46-FA80-5EEAFAAE9E86}"/>
+                <a16:creationId xmlns:a16="http://schemas.microsoft.com/office/drawing/2014/main" id="{2275AD0E-AA8A-418D-F5C2-3F1E6785E0DE}"/>
               </a:ext>
             </a:extLst>
           </p:cNvPr>
@@ -1185,7 +1185,7 @@
           <a:bodyPr/>
           <a:lstStyle/>
           <a:p>
-            <a:fld id="{2ABDC84D-4093-481D-9FA2-A8FA5E474BD4}" type="slidenum">
+            <a:fld id="{92A93CA9-03F5-4391-9EB3-148061C3404C}" type="slidenum">
               <a:rPr lang="zh-CN" altLang="en-US" smtClean="0"/>
               <a:t>‹#›</a:t>
             </a:fld>
@@ -1196,7 +1196,7 @@
     </p:spTree>
     <p:extLst>
       <p:ext uri="{BB962C8B-B14F-4D97-AF65-F5344CB8AC3E}">
-        <p14:creationId xmlns:p14="http://schemas.microsoft.com/office/powerpoint/2010/main" val="4072070747"/>
+        <p14:creationId xmlns:p14="http://schemas.microsoft.com/office/powerpoint/2010/main" val="1663897072"/>
       </p:ext>
     </p:extLst>
   </p:cSld>
@@ -1228,7 +1228,7 @@
           <p:cNvPr id="2" name="标题 1">
             <a:extLst>
               <a:ext uri="{FF2B5EF4-FFF2-40B4-BE49-F238E27FC236}">
-                <a16:creationId xmlns:a16="http://schemas.microsoft.com/office/drawing/2014/main" id="{44319085-E167-B2D0-1144-409C84EE45DA}"/>
+                <a16:creationId xmlns:a16="http://schemas.microsoft.com/office/drawing/2014/main" id="{E078603C-2232-399F-428F-9C4B0297F222}"/>
               </a:ext>
             </a:extLst>
           </p:cNvPr>
@@ -1256,7 +1256,7 @@
           <p:cNvPr id="3" name="内容占位符 2">
             <a:extLst>
               <a:ext uri="{FF2B5EF4-FFF2-40B4-BE49-F238E27FC236}">
-                <a16:creationId xmlns:a16="http://schemas.microsoft.com/office/drawing/2014/main" id="{168162F9-1F58-669E-B26B-50C066DB0E1D}"/>
+                <a16:creationId xmlns:a16="http://schemas.microsoft.com/office/drawing/2014/main" id="{EFC56BDD-14A9-E558-0775-F28404EC1371}"/>
               </a:ext>
             </a:extLst>
           </p:cNvPr>
@@ -1318,7 +1318,7 @@
           <p:cNvPr id="4" name="内容占位符 3">
             <a:extLst>
               <a:ext uri="{FF2B5EF4-FFF2-40B4-BE49-F238E27FC236}">
-                <a16:creationId xmlns:a16="http://schemas.microsoft.com/office/drawing/2014/main" id="{C42B6AE8-75CB-2336-1675-991D8B47C79F}"/>
+                <a16:creationId xmlns:a16="http://schemas.microsoft.com/office/drawing/2014/main" id="{C6D4A38D-2715-77FA-323A-D73BCCF68FB8}"/>
               </a:ext>
             </a:extLst>
           </p:cNvPr>
@@ -1380,7 +1380,7 @@
           <p:cNvPr id="5" name="日期占位符 4">
             <a:extLst>
               <a:ext uri="{FF2B5EF4-FFF2-40B4-BE49-F238E27FC236}">
-                <a16:creationId xmlns:a16="http://schemas.microsoft.com/office/drawing/2014/main" id="{1A751616-D98E-71EA-4D3F-191400F36F4D}"/>
+                <a16:creationId xmlns:a16="http://schemas.microsoft.com/office/drawing/2014/main" id="{3DD8DCCB-C771-0A64-1EFD-A54E1A9A843D}"/>
               </a:ext>
             </a:extLst>
           </p:cNvPr>
@@ -1396,7 +1396,7 @@
           <a:bodyPr/>
           <a:lstStyle/>
           <a:p>
-            <a:fld id="{CD56EEDD-0837-46C4-8033-B6C66FFDEEA4}" type="datetimeFigureOut">
+            <a:fld id="{E970245B-E215-4965-9AF4-9CEA6B35D4B2}" type="datetimeFigureOut">
               <a:rPr lang="zh-CN" altLang="en-US" smtClean="0"/>
               <a:t>2024/3/10</a:t>
             </a:fld>
@@ -1409,7 +1409,7 @@
           <p:cNvPr id="6" name="页脚占位符 5">
             <a:extLst>
               <a:ext uri="{FF2B5EF4-FFF2-40B4-BE49-F238E27FC236}">
-                <a16:creationId xmlns:a16="http://schemas.microsoft.com/office/drawing/2014/main" id="{78BA07AA-9301-0E87-979D-F039B6C13193}"/>
+                <a16:creationId xmlns:a16="http://schemas.microsoft.com/office/drawing/2014/main" id="{FE854B73-1053-F79F-7C03-D5695B1ECFCC}"/>
               </a:ext>
             </a:extLst>
           </p:cNvPr>
@@ -1434,7 +1434,7 @@
           <p:cNvPr id="7" name="灯片编号占位符 6">
             <a:extLst>
               <a:ext uri="{FF2B5EF4-FFF2-40B4-BE49-F238E27FC236}">
-                <a16:creationId xmlns:a16="http://schemas.microsoft.com/office/drawing/2014/main" id="{62DBADFD-FE22-FC67-594F-3AFD0531DF94}"/>
+                <a16:creationId xmlns:a16="http://schemas.microsoft.com/office/drawing/2014/main" id="{2407CC48-7CB3-A9C7-649B-27275E56AC85}"/>
               </a:ext>
             </a:extLst>
           </p:cNvPr>
@@ -1450,7 +1450,7 @@
           <a:bodyPr/>
           <a:lstStyle/>
           <a:p>
-            <a:fld id="{2ABDC84D-4093-481D-9FA2-A8FA5E474BD4}" type="slidenum">
+            <a:fld id="{92A93CA9-03F5-4391-9EB3-148061C3404C}" type="slidenum">
               <a:rPr lang="zh-CN" altLang="en-US" smtClean="0"/>
               <a:t>‹#›</a:t>
             </a:fld>
@@ -1461,7 +1461,7 @@
     </p:spTree>
     <p:extLst>
       <p:ext uri="{BB962C8B-B14F-4D97-AF65-F5344CB8AC3E}">
-        <p14:creationId xmlns:p14="http://schemas.microsoft.com/office/powerpoint/2010/main" val="3292211466"/>
+        <p14:creationId xmlns:p14="http://schemas.microsoft.com/office/powerpoint/2010/main" val="3417360491"/>
       </p:ext>
     </p:extLst>
   </p:cSld>
@@ -1493,7 +1493,7 @@
           <p:cNvPr id="2" name="标题 1">
             <a:extLst>
               <a:ext uri="{FF2B5EF4-FFF2-40B4-BE49-F238E27FC236}">
-                <a16:creationId xmlns:a16="http://schemas.microsoft.com/office/drawing/2014/main" id="{DD2B4798-0DAE-688C-AB8C-746347FB52F6}"/>
+                <a16:creationId xmlns:a16="http://schemas.microsoft.com/office/drawing/2014/main" id="{63D7BFD8-DE83-70EA-D6C8-D9257A3A5EB9}"/>
               </a:ext>
             </a:extLst>
           </p:cNvPr>
@@ -1526,7 +1526,7 @@
           <p:cNvPr id="3" name="文本占位符 2">
             <a:extLst>
               <a:ext uri="{FF2B5EF4-FFF2-40B4-BE49-F238E27FC236}">
-                <a16:creationId xmlns:a16="http://schemas.microsoft.com/office/drawing/2014/main" id="{610B11F4-D60E-C5EE-9459-ADB7EF3FD860}"/>
+                <a16:creationId xmlns:a16="http://schemas.microsoft.com/office/drawing/2014/main" id="{3355C559-E529-E385-A9E1-3FC059EE6D0E}"/>
               </a:ext>
             </a:extLst>
           </p:cNvPr>
@@ -1597,7 +1597,7 @@
           <p:cNvPr id="4" name="内容占位符 3">
             <a:extLst>
               <a:ext uri="{FF2B5EF4-FFF2-40B4-BE49-F238E27FC236}">
-                <a16:creationId xmlns:a16="http://schemas.microsoft.com/office/drawing/2014/main" id="{564EC5F9-B453-9E1F-B3CE-7D7D4CA899CA}"/>
+                <a16:creationId xmlns:a16="http://schemas.microsoft.com/office/drawing/2014/main" id="{EBF9F958-CAEF-C8FB-4CAA-F6490C76DCC1}"/>
               </a:ext>
             </a:extLst>
           </p:cNvPr>
@@ -1659,7 +1659,7 @@
           <p:cNvPr id="5" name="文本占位符 4">
             <a:extLst>
               <a:ext uri="{FF2B5EF4-FFF2-40B4-BE49-F238E27FC236}">
-                <a16:creationId xmlns:a16="http://schemas.microsoft.com/office/drawing/2014/main" id="{F2A746D8-03D5-E403-F099-CD96F7AE761F}"/>
+                <a16:creationId xmlns:a16="http://schemas.microsoft.com/office/drawing/2014/main" id="{63F6EDAD-FDF5-4102-1645-E84BEAEE5D6A}"/>
               </a:ext>
             </a:extLst>
           </p:cNvPr>
@@ -1730,7 +1730,7 @@
           <p:cNvPr id="6" name="内容占位符 5">
             <a:extLst>
               <a:ext uri="{FF2B5EF4-FFF2-40B4-BE49-F238E27FC236}">
-                <a16:creationId xmlns:a16="http://schemas.microsoft.com/office/drawing/2014/main" id="{1459BC11-633F-B58D-66CA-2898BC2305F8}"/>
+                <a16:creationId xmlns:a16="http://schemas.microsoft.com/office/drawing/2014/main" id="{EB69F51B-EC2F-EEF3-B815-CBE80F5C2BA2}"/>
               </a:ext>
             </a:extLst>
           </p:cNvPr>
@@ -1792,7 +1792,7 @@
           <p:cNvPr id="7" name="日期占位符 6">
             <a:extLst>
               <a:ext uri="{FF2B5EF4-FFF2-40B4-BE49-F238E27FC236}">
-                <a16:creationId xmlns:a16="http://schemas.microsoft.com/office/drawing/2014/main" id="{D4A62975-8F93-E489-7D92-8AFB7F6460A6}"/>
+                <a16:creationId xmlns:a16="http://schemas.microsoft.com/office/drawing/2014/main" id="{088A9500-EA3A-D521-82F2-B860C293BA3F}"/>
               </a:ext>
             </a:extLst>
           </p:cNvPr>
@@ -1808,7 +1808,7 @@
           <a:bodyPr/>
           <a:lstStyle/>
           <a:p>
-            <a:fld id="{CD56EEDD-0837-46C4-8033-B6C66FFDEEA4}" type="datetimeFigureOut">
+            <a:fld id="{E970245B-E215-4965-9AF4-9CEA6B35D4B2}" type="datetimeFigureOut">
               <a:rPr lang="zh-CN" altLang="en-US" smtClean="0"/>
               <a:t>2024/3/10</a:t>
             </a:fld>
@@ -1821,7 +1821,7 @@
           <p:cNvPr id="8" name="页脚占位符 7">
             <a:extLst>
               <a:ext uri="{FF2B5EF4-FFF2-40B4-BE49-F238E27FC236}">
-                <a16:creationId xmlns:a16="http://schemas.microsoft.com/office/drawing/2014/main" id="{34FEF7CA-0391-6063-2335-655A20DC1BF3}"/>
+                <a16:creationId xmlns:a16="http://schemas.microsoft.com/office/drawing/2014/main" id="{16946887-F03D-BDE6-2A5E-38E31BEBFF1E}"/>
               </a:ext>
             </a:extLst>
           </p:cNvPr>
@@ -1846,7 +1846,7 @@
           <p:cNvPr id="9" name="灯片编号占位符 8">
             <a:extLst>
               <a:ext uri="{FF2B5EF4-FFF2-40B4-BE49-F238E27FC236}">
-                <a16:creationId xmlns:a16="http://schemas.microsoft.com/office/drawing/2014/main" id="{C8EFA1AA-C346-B768-7424-E08D8BB03EC5}"/>
+                <a16:creationId xmlns:a16="http://schemas.microsoft.com/office/drawing/2014/main" id="{BF50D775-2B7A-2F04-2CBF-1F0B99263E3B}"/>
               </a:ext>
             </a:extLst>
           </p:cNvPr>
@@ -1862,7 +1862,7 @@
           <a:bodyPr/>
           <a:lstStyle/>
           <a:p>
-            <a:fld id="{2ABDC84D-4093-481D-9FA2-A8FA5E474BD4}" type="slidenum">
+            <a:fld id="{92A93CA9-03F5-4391-9EB3-148061C3404C}" type="slidenum">
               <a:rPr lang="zh-CN" altLang="en-US" smtClean="0"/>
               <a:t>‹#›</a:t>
             </a:fld>
@@ -1873,7 +1873,7 @@
     </p:spTree>
     <p:extLst>
       <p:ext uri="{BB962C8B-B14F-4D97-AF65-F5344CB8AC3E}">
-        <p14:creationId xmlns:p14="http://schemas.microsoft.com/office/powerpoint/2010/main" val="2264470949"/>
+        <p14:creationId xmlns:p14="http://schemas.microsoft.com/office/powerpoint/2010/main" val="3199814523"/>
       </p:ext>
     </p:extLst>
   </p:cSld>
@@ -1905,7 +1905,7 @@
           <p:cNvPr id="2" name="标题 1">
             <a:extLst>
               <a:ext uri="{FF2B5EF4-FFF2-40B4-BE49-F238E27FC236}">
-                <a16:creationId xmlns:a16="http://schemas.microsoft.com/office/drawing/2014/main" id="{842B4E39-6FF7-8E79-5B05-02BCD592B439}"/>
+                <a16:creationId xmlns:a16="http://schemas.microsoft.com/office/drawing/2014/main" id="{6E21C37D-676B-ACD7-F358-D42D42E0853F}"/>
               </a:ext>
             </a:extLst>
           </p:cNvPr>
@@ -1933,7 +1933,7 @@
           <p:cNvPr id="3" name="日期占位符 2">
             <a:extLst>
               <a:ext uri="{FF2B5EF4-FFF2-40B4-BE49-F238E27FC236}">
-                <a16:creationId xmlns:a16="http://schemas.microsoft.com/office/drawing/2014/main" id="{F8A92F2C-461E-93C2-0030-5112CE04BD76}"/>
+                <a16:creationId xmlns:a16="http://schemas.microsoft.com/office/drawing/2014/main" id="{7EBB2FE6-82BE-64FF-0CEC-F0F1164E74A0}"/>
               </a:ext>
             </a:extLst>
           </p:cNvPr>
@@ -1949,7 +1949,7 @@
           <a:bodyPr/>
           <a:lstStyle/>
           <a:p>
-            <a:fld id="{CD56EEDD-0837-46C4-8033-B6C66FFDEEA4}" type="datetimeFigureOut">
+            <a:fld id="{E970245B-E215-4965-9AF4-9CEA6B35D4B2}" type="datetimeFigureOut">
               <a:rPr lang="zh-CN" altLang="en-US" smtClean="0"/>
               <a:t>2024/3/10</a:t>
             </a:fld>
@@ -1962,7 +1962,7 @@
           <p:cNvPr id="4" name="页脚占位符 3">
             <a:extLst>
               <a:ext uri="{FF2B5EF4-FFF2-40B4-BE49-F238E27FC236}">
-                <a16:creationId xmlns:a16="http://schemas.microsoft.com/office/drawing/2014/main" id="{1CD191EF-1463-F22F-A051-8EF607EB45A1}"/>
+                <a16:creationId xmlns:a16="http://schemas.microsoft.com/office/drawing/2014/main" id="{EFCA61EE-0D1D-4861-ED01-6E6C7F673EEB}"/>
               </a:ext>
             </a:extLst>
           </p:cNvPr>
@@ -1987,7 +1987,7 @@
           <p:cNvPr id="5" name="灯片编号占位符 4">
             <a:extLst>
               <a:ext uri="{FF2B5EF4-FFF2-40B4-BE49-F238E27FC236}">
-                <a16:creationId xmlns:a16="http://schemas.microsoft.com/office/drawing/2014/main" id="{EBC5C140-FD9D-9B0C-8CBD-1BEF969FEBD3}"/>
+                <a16:creationId xmlns:a16="http://schemas.microsoft.com/office/drawing/2014/main" id="{5873EFEA-CFC5-60C1-9D79-C2623D3235F7}"/>
               </a:ext>
             </a:extLst>
           </p:cNvPr>
@@ -2003,7 +2003,7 @@
           <a:bodyPr/>
           <a:lstStyle/>
           <a:p>
-            <a:fld id="{2ABDC84D-4093-481D-9FA2-A8FA5E474BD4}" type="slidenum">
+            <a:fld id="{92A93CA9-03F5-4391-9EB3-148061C3404C}" type="slidenum">
               <a:rPr lang="zh-CN" altLang="en-US" smtClean="0"/>
               <a:t>‹#›</a:t>
             </a:fld>
@@ -2014,7 +2014,7 @@
     </p:spTree>
     <p:extLst>
       <p:ext uri="{BB962C8B-B14F-4D97-AF65-F5344CB8AC3E}">
-        <p14:creationId xmlns:p14="http://schemas.microsoft.com/office/powerpoint/2010/main" val="3871591672"/>
+        <p14:creationId xmlns:p14="http://schemas.microsoft.com/office/powerpoint/2010/main" val="1401398546"/>
       </p:ext>
     </p:extLst>
   </p:cSld>
@@ -2046,7 +2046,7 @@
           <p:cNvPr id="2" name="日期占位符 1">
             <a:extLst>
               <a:ext uri="{FF2B5EF4-FFF2-40B4-BE49-F238E27FC236}">
-                <a16:creationId xmlns:a16="http://schemas.microsoft.com/office/drawing/2014/main" id="{E46E5A1E-F391-2F80-6066-2871410D7CB3}"/>
+                <a16:creationId xmlns:a16="http://schemas.microsoft.com/office/drawing/2014/main" id="{FB6482E5-D2AC-3E54-BCC0-FB8A9FBFFE55}"/>
               </a:ext>
             </a:extLst>
           </p:cNvPr>
@@ -2062,7 +2062,7 @@
           <a:bodyPr/>
           <a:lstStyle/>
           <a:p>
-            <a:fld id="{CD56EEDD-0837-46C4-8033-B6C66FFDEEA4}" type="datetimeFigureOut">
+            <a:fld id="{E970245B-E215-4965-9AF4-9CEA6B35D4B2}" type="datetimeFigureOut">
               <a:rPr lang="zh-CN" altLang="en-US" smtClean="0"/>
               <a:t>2024/3/10</a:t>
             </a:fld>
@@ -2075,7 +2075,7 @@
           <p:cNvPr id="3" name="页脚占位符 2">
             <a:extLst>
               <a:ext uri="{FF2B5EF4-FFF2-40B4-BE49-F238E27FC236}">
-                <a16:creationId xmlns:a16="http://schemas.microsoft.com/office/drawing/2014/main" id="{2CFE9BEE-4DDF-0714-86D3-B5A312C396F6}"/>
+                <a16:creationId xmlns:a16="http://schemas.microsoft.com/office/drawing/2014/main" id="{20202E3F-CD4B-8575-254B-6E632076667C}"/>
               </a:ext>
             </a:extLst>
           </p:cNvPr>
@@ -2100,7 +2100,7 @@
           <p:cNvPr id="4" name="灯片编号占位符 3">
             <a:extLst>
               <a:ext uri="{FF2B5EF4-FFF2-40B4-BE49-F238E27FC236}">
-                <a16:creationId xmlns:a16="http://schemas.microsoft.com/office/drawing/2014/main" id="{EE6DB80D-D072-D01E-3EC5-A83A8354CBEA}"/>
+                <a16:creationId xmlns:a16="http://schemas.microsoft.com/office/drawing/2014/main" id="{879A2776-22C9-3C76-A341-4FFD9AA17C09}"/>
               </a:ext>
             </a:extLst>
           </p:cNvPr>
@@ -2116,7 +2116,7 @@
           <a:bodyPr/>
           <a:lstStyle/>
           <a:p>
-            <a:fld id="{2ABDC84D-4093-481D-9FA2-A8FA5E474BD4}" type="slidenum">
+            <a:fld id="{92A93CA9-03F5-4391-9EB3-148061C3404C}" type="slidenum">
               <a:rPr lang="zh-CN" altLang="en-US" smtClean="0"/>
               <a:t>‹#›</a:t>
             </a:fld>
@@ -2127,7 +2127,7 @@
     </p:spTree>
     <p:extLst>
       <p:ext uri="{BB962C8B-B14F-4D97-AF65-F5344CB8AC3E}">
-        <p14:creationId xmlns:p14="http://schemas.microsoft.com/office/powerpoint/2010/main" val="1600350285"/>
+        <p14:creationId xmlns:p14="http://schemas.microsoft.com/office/powerpoint/2010/main" val="3102637724"/>
       </p:ext>
     </p:extLst>
   </p:cSld>
@@ -2159,7 +2159,7 @@
           <p:cNvPr id="2" name="标题 1">
             <a:extLst>
               <a:ext uri="{FF2B5EF4-FFF2-40B4-BE49-F238E27FC236}">
-                <a16:creationId xmlns:a16="http://schemas.microsoft.com/office/drawing/2014/main" id="{0373E3C9-9C82-D9CD-F4DF-903489B950A1}"/>
+                <a16:creationId xmlns:a16="http://schemas.microsoft.com/office/drawing/2014/main" id="{3B387A98-6A39-1E3F-EDD2-F4A0065A75DD}"/>
               </a:ext>
             </a:extLst>
           </p:cNvPr>
@@ -2196,7 +2196,7 @@
           <p:cNvPr id="3" name="内容占位符 2">
             <a:extLst>
               <a:ext uri="{FF2B5EF4-FFF2-40B4-BE49-F238E27FC236}">
-                <a16:creationId xmlns:a16="http://schemas.microsoft.com/office/drawing/2014/main" id="{0254120A-28F8-1F79-28FD-67FC16C1894D}"/>
+                <a16:creationId xmlns:a16="http://schemas.microsoft.com/office/drawing/2014/main" id="{CE4F13AD-0D13-5437-97EA-FB04D38723B0}"/>
               </a:ext>
             </a:extLst>
           </p:cNvPr>
@@ -2286,7 +2286,7 @@
           <p:cNvPr id="4" name="文本占位符 3">
             <a:extLst>
               <a:ext uri="{FF2B5EF4-FFF2-40B4-BE49-F238E27FC236}">
-                <a16:creationId xmlns:a16="http://schemas.microsoft.com/office/drawing/2014/main" id="{491581DA-AF3E-65EB-3C39-062744F86F38}"/>
+                <a16:creationId xmlns:a16="http://schemas.microsoft.com/office/drawing/2014/main" id="{3BD8227D-6C5B-B82B-3EA6-81A0670661D8}"/>
               </a:ext>
             </a:extLst>
           </p:cNvPr>
@@ -2357,7 +2357,7 @@
           <p:cNvPr id="5" name="日期占位符 4">
             <a:extLst>
               <a:ext uri="{FF2B5EF4-FFF2-40B4-BE49-F238E27FC236}">
-                <a16:creationId xmlns:a16="http://schemas.microsoft.com/office/drawing/2014/main" id="{0B1877E0-B5A9-EEDE-FC5B-EE228834C702}"/>
+                <a16:creationId xmlns:a16="http://schemas.microsoft.com/office/drawing/2014/main" id="{1F2D1861-7794-92BE-59D2-577844CC920B}"/>
               </a:ext>
             </a:extLst>
           </p:cNvPr>
@@ -2373,7 +2373,7 @@
           <a:bodyPr/>
           <a:lstStyle/>
           <a:p>
-            <a:fld id="{CD56EEDD-0837-46C4-8033-B6C66FFDEEA4}" type="datetimeFigureOut">
+            <a:fld id="{E970245B-E215-4965-9AF4-9CEA6B35D4B2}" type="datetimeFigureOut">
               <a:rPr lang="zh-CN" altLang="en-US" smtClean="0"/>
               <a:t>2024/3/10</a:t>
             </a:fld>
@@ -2386,7 +2386,7 @@
           <p:cNvPr id="6" name="页脚占位符 5">
             <a:extLst>
               <a:ext uri="{FF2B5EF4-FFF2-40B4-BE49-F238E27FC236}">
-                <a16:creationId xmlns:a16="http://schemas.microsoft.com/office/drawing/2014/main" id="{7E0F522B-68F5-A0E9-4FF4-6E2E4A5B00AE}"/>
+                <a16:creationId xmlns:a16="http://schemas.microsoft.com/office/drawing/2014/main" id="{5D3DE7B7-5C66-2DB5-5E71-943D2E6E63B0}"/>
               </a:ext>
             </a:extLst>
           </p:cNvPr>
@@ -2411,7 +2411,7 @@
           <p:cNvPr id="7" name="灯片编号占位符 6">
             <a:extLst>
               <a:ext uri="{FF2B5EF4-FFF2-40B4-BE49-F238E27FC236}">
-                <a16:creationId xmlns:a16="http://schemas.microsoft.com/office/drawing/2014/main" id="{9D468CD1-BC6D-36A6-C93D-8E589CC23C80}"/>
+                <a16:creationId xmlns:a16="http://schemas.microsoft.com/office/drawing/2014/main" id="{5B01076F-E982-35BA-4E6E-0605CB95DCBE}"/>
               </a:ext>
             </a:extLst>
           </p:cNvPr>
@@ -2427,7 +2427,7 @@
           <a:bodyPr/>
           <a:lstStyle/>
           <a:p>
-            <a:fld id="{2ABDC84D-4093-481D-9FA2-A8FA5E474BD4}" type="slidenum">
+            <a:fld id="{92A93CA9-03F5-4391-9EB3-148061C3404C}" type="slidenum">
               <a:rPr lang="zh-CN" altLang="en-US" smtClean="0"/>
               <a:t>‹#›</a:t>
             </a:fld>
@@ -2438,7 +2438,7 @@
     </p:spTree>
     <p:extLst>
       <p:ext uri="{BB962C8B-B14F-4D97-AF65-F5344CB8AC3E}">
-        <p14:creationId xmlns:p14="http://schemas.microsoft.com/office/powerpoint/2010/main" val="2352909756"/>
+        <p14:creationId xmlns:p14="http://schemas.microsoft.com/office/powerpoint/2010/main" val="2413007901"/>
       </p:ext>
     </p:extLst>
   </p:cSld>
@@ -2470,7 +2470,7 @@
           <p:cNvPr id="2" name="标题 1">
             <a:extLst>
               <a:ext uri="{FF2B5EF4-FFF2-40B4-BE49-F238E27FC236}">
-                <a16:creationId xmlns:a16="http://schemas.microsoft.com/office/drawing/2014/main" id="{0638861A-7C5E-D2D5-1814-6572DFFB1FF7}"/>
+                <a16:creationId xmlns:a16="http://schemas.microsoft.com/office/drawing/2014/main" id="{061052A8-1E40-DA6D-4DBF-96DAF889CD20}"/>
               </a:ext>
             </a:extLst>
           </p:cNvPr>
@@ -2507,7 +2507,7 @@
           <p:cNvPr id="3" name="图片占位符 2">
             <a:extLst>
               <a:ext uri="{FF2B5EF4-FFF2-40B4-BE49-F238E27FC236}">
-                <a16:creationId xmlns:a16="http://schemas.microsoft.com/office/drawing/2014/main" id="{BBE53FC6-7960-20E5-182B-55A8A720B437}"/>
+                <a16:creationId xmlns:a16="http://schemas.microsoft.com/office/drawing/2014/main" id="{C3FA6E3F-8814-C05F-6532-0EF72DE96AD4}"/>
               </a:ext>
             </a:extLst>
           </p:cNvPr>
@@ -2574,7 +2574,7 @@
           <p:cNvPr id="4" name="文本占位符 3">
             <a:extLst>
               <a:ext uri="{FF2B5EF4-FFF2-40B4-BE49-F238E27FC236}">
-                <a16:creationId xmlns:a16="http://schemas.microsoft.com/office/drawing/2014/main" id="{CA73E8D4-A7E7-6770-15DD-1EA67F1540E4}"/>
+                <a16:creationId xmlns:a16="http://schemas.microsoft.com/office/drawing/2014/main" id="{720ECC80-A59D-1E9B-6F0E-7C509BC972B5}"/>
               </a:ext>
             </a:extLst>
           </p:cNvPr>
@@ -2645,7 +2645,7 @@
           <p:cNvPr id="5" name="日期占位符 4">
             <a:extLst>
               <a:ext uri="{FF2B5EF4-FFF2-40B4-BE49-F238E27FC236}">
-                <a16:creationId xmlns:a16="http://schemas.microsoft.com/office/drawing/2014/main" id="{9AAE479C-E36F-882B-B823-247FCBA1D3B6}"/>
+                <a16:creationId xmlns:a16="http://schemas.microsoft.com/office/drawing/2014/main" id="{A67B7B0E-1974-FC12-29AD-92CAE1F4C3C5}"/>
               </a:ext>
             </a:extLst>
           </p:cNvPr>
@@ -2661,7 +2661,7 @@
           <a:bodyPr/>
           <a:lstStyle/>
           <a:p>
-            <a:fld id="{CD56EEDD-0837-46C4-8033-B6C66FFDEEA4}" type="datetimeFigureOut">
+            <a:fld id="{E970245B-E215-4965-9AF4-9CEA6B35D4B2}" type="datetimeFigureOut">
               <a:rPr lang="zh-CN" altLang="en-US" smtClean="0"/>
               <a:t>2024/3/10</a:t>
             </a:fld>
@@ -2674,7 +2674,7 @@
           <p:cNvPr id="6" name="页脚占位符 5">
             <a:extLst>
               <a:ext uri="{FF2B5EF4-FFF2-40B4-BE49-F238E27FC236}">
-                <a16:creationId xmlns:a16="http://schemas.microsoft.com/office/drawing/2014/main" id="{55593E0F-A2F2-6453-F693-950BB1B7E720}"/>
+                <a16:creationId xmlns:a16="http://schemas.microsoft.com/office/drawing/2014/main" id="{FEF52BD9-8416-5219-FA59-73167BC18F52}"/>
               </a:ext>
             </a:extLst>
           </p:cNvPr>
@@ -2699,7 +2699,7 @@
           <p:cNvPr id="7" name="灯片编号占位符 6">
             <a:extLst>
               <a:ext uri="{FF2B5EF4-FFF2-40B4-BE49-F238E27FC236}">
-                <a16:creationId xmlns:a16="http://schemas.microsoft.com/office/drawing/2014/main" id="{1A013635-E92A-2046-6D40-F58A070F62D1}"/>
+                <a16:creationId xmlns:a16="http://schemas.microsoft.com/office/drawing/2014/main" id="{ADC72D06-CB94-DA65-9CCD-3E87F1335795}"/>
               </a:ext>
             </a:extLst>
           </p:cNvPr>
@@ -2715,7 +2715,7 @@
           <a:bodyPr/>
           <a:lstStyle/>
           <a:p>
-            <a:fld id="{2ABDC84D-4093-481D-9FA2-A8FA5E474BD4}" type="slidenum">
+            <a:fld id="{92A93CA9-03F5-4391-9EB3-148061C3404C}" type="slidenum">
               <a:rPr lang="zh-CN" altLang="en-US" smtClean="0"/>
               <a:t>‹#›</a:t>
             </a:fld>
@@ -2726,7 +2726,7 @@
     </p:spTree>
     <p:extLst>
       <p:ext uri="{BB962C8B-B14F-4D97-AF65-F5344CB8AC3E}">
-        <p14:creationId xmlns:p14="http://schemas.microsoft.com/office/powerpoint/2010/main" val="3405438406"/>
+        <p14:creationId xmlns:p14="http://schemas.microsoft.com/office/powerpoint/2010/main" val="109132612"/>
       </p:ext>
     </p:extLst>
   </p:cSld>
@@ -2763,7 +2763,7 @@
           <p:cNvPr id="2" name="标题占位符 1">
             <a:extLst>
               <a:ext uri="{FF2B5EF4-FFF2-40B4-BE49-F238E27FC236}">
-                <a16:creationId xmlns:a16="http://schemas.microsoft.com/office/drawing/2014/main" id="{B63029B3-11FF-96DF-0B13-9966D43D13A7}"/>
+                <a16:creationId xmlns:a16="http://schemas.microsoft.com/office/drawing/2014/main" id="{1D256BA9-7093-4FD9-3B03-672EEA1C1F4B}"/>
               </a:ext>
             </a:extLst>
           </p:cNvPr>
@@ -2801,7 +2801,7 @@
           <p:cNvPr id="3" name="文本占位符 2">
             <a:extLst>
               <a:ext uri="{FF2B5EF4-FFF2-40B4-BE49-F238E27FC236}">
-                <a16:creationId xmlns:a16="http://schemas.microsoft.com/office/drawing/2014/main" id="{F709D816-5BC2-52A0-FF34-E352607DF2E9}"/>
+                <a16:creationId xmlns:a16="http://schemas.microsoft.com/office/drawing/2014/main" id="{148FADC6-678D-FE69-37D6-5609520D5780}"/>
               </a:ext>
             </a:extLst>
           </p:cNvPr>
@@ -2868,7 +2868,7 @@
           <p:cNvPr id="4" name="日期占位符 3">
             <a:extLst>
               <a:ext uri="{FF2B5EF4-FFF2-40B4-BE49-F238E27FC236}">
-                <a16:creationId xmlns:a16="http://schemas.microsoft.com/office/drawing/2014/main" id="{E7C4F7FD-E5D8-D381-67FE-172F8632965F}"/>
+                <a16:creationId xmlns:a16="http://schemas.microsoft.com/office/drawing/2014/main" id="{79C802A7-FDD1-EBB9-4E74-D39C879DF6C7}"/>
               </a:ext>
             </a:extLst>
           </p:cNvPr>
@@ -2902,7 +2902,7 @@
             </a:lvl1pPr>
           </a:lstStyle>
           <a:p>
-            <a:fld id="{CD56EEDD-0837-46C4-8033-B6C66FFDEEA4}" type="datetimeFigureOut">
+            <a:fld id="{E970245B-E215-4965-9AF4-9CEA6B35D4B2}" type="datetimeFigureOut">
               <a:rPr lang="zh-CN" altLang="en-US" smtClean="0"/>
               <a:t>2024/3/10</a:t>
             </a:fld>
@@ -2915,7 +2915,7 @@
           <p:cNvPr id="5" name="页脚占位符 4">
             <a:extLst>
               <a:ext uri="{FF2B5EF4-FFF2-40B4-BE49-F238E27FC236}">
-                <a16:creationId xmlns:a16="http://schemas.microsoft.com/office/drawing/2014/main" id="{1460CFC7-34F9-F7C8-AFEC-4CD3FC634569}"/>
+                <a16:creationId xmlns:a16="http://schemas.microsoft.com/office/drawing/2014/main" id="{B53170C0-EB62-EC0D-FD48-8FD0896654AE}"/>
               </a:ext>
             </a:extLst>
           </p:cNvPr>
@@ -2958,7 +2958,7 @@
           <p:cNvPr id="6" name="灯片编号占位符 5">
             <a:extLst>
               <a:ext uri="{FF2B5EF4-FFF2-40B4-BE49-F238E27FC236}">
-                <a16:creationId xmlns:a16="http://schemas.microsoft.com/office/drawing/2014/main" id="{7A89C1E1-73AC-685C-8C2D-1D6C0AD465BF}"/>
+                <a16:creationId xmlns:a16="http://schemas.microsoft.com/office/drawing/2014/main" id="{E5EF8CEB-2FE4-98A8-DCE3-5DB211C1699F}"/>
               </a:ext>
             </a:extLst>
           </p:cNvPr>
@@ -2992,7 +2992,7 @@
             </a:lvl1pPr>
           </a:lstStyle>
           <a:p>
-            <a:fld id="{2ABDC84D-4093-481D-9FA2-A8FA5E474BD4}" type="slidenum">
+            <a:fld id="{92A93CA9-03F5-4391-9EB3-148061C3404C}" type="slidenum">
               <a:rPr lang="zh-CN" altLang="en-US" smtClean="0"/>
               <a:t>‹#›</a:t>
             </a:fld>
@@ -3003,7 +3003,7 @@
     </p:spTree>
     <p:extLst>
       <p:ext uri="{BB962C8B-B14F-4D97-AF65-F5344CB8AC3E}">
-        <p14:creationId xmlns:p14="http://schemas.microsoft.com/office/powerpoint/2010/main" val="3383966942"/>
+        <p14:creationId xmlns:p14="http://schemas.microsoft.com/office/powerpoint/2010/main" val="2850588335"/>
       </p:ext>
     </p:extLst>
   </p:cSld>
